--- a/spring10/slides10/slides9f.pptx
+++ b/spring10/slides10/slides9f.pptx
@@ -5367,7 +5367,37 @@
                 <a:uFillTx/>
                 <a:latin typeface="Comic Sans MS" pitchFamily="66" charset="0"/>
               </a:rPr>
-              <a:t>Albert R Meyer,           April 9, 2010</a:t>
+              <a:t>Albert R Meyer,           </a:t>
+            </a:r>
+            <a:r>
+              <a:rPr kumimoji="0" lang="en-US" sz="1200" b="0" i="0" u="none" strike="noStrike" kern="1200" cap="none" spc="0" normalizeH="0" baseline="0" noProof="0" smtClean="0">
+                <a:ln>
+                  <a:noFill/>
+                </a:ln>
+                <a:solidFill>
+                  <a:schemeClr val="tx1"/>
+                </a:solidFill>
+                <a:effectLst/>
+                <a:uLnTx/>
+                <a:uFillTx/>
+                <a:latin typeface="Comic Sans MS" pitchFamily="66" charset="0"/>
+              </a:rPr>
+              <a:t>April</a:t>
+            </a:r>
+            <a:r>
+              <a:rPr kumimoji="0" lang="en-US" sz="1200" b="0" i="0" u="none" strike="noStrike" kern="1200" cap="none" spc="0" normalizeH="0" baseline="0" noProof="0" smtClean="0">
+                <a:ln>
+                  <a:noFill/>
+                </a:ln>
+                <a:solidFill>
+                  <a:schemeClr val="tx1"/>
+                </a:solidFill>
+                <a:effectLst/>
+                <a:uLnTx/>
+                <a:uFillTx/>
+                <a:latin typeface="Comic Sans MS" pitchFamily="66" charset="0"/>
+              </a:rPr>
+              <a:t> 8, 2011</a:t>
             </a:r>
             <a:endParaRPr kumimoji="0" lang="en-US" sz="1200" b="0" i="0" u="none" strike="noStrike" kern="1200" cap="none" spc="0" normalizeH="0" baseline="0" noProof="0" dirty="0">
               <a:ln>
